--- a/Slides/Big Data and Apache Hadoop/Big Data Overview.pptx
+++ b/Slides/Big Data and Apache Hadoop/Big Data Overview.pptx
@@ -3146,7 +3146,7 @@
           <a:p>
             <a:fld id="{4C2A475F-9CDA-4DF8-B226-71823ECF3947}" type="datetimeFigureOut">
               <a:rPr lang="en-IN" smtClean="0"/>
-              <a:t>21-10-2022</a:t>
+              <a:t>23-12-2022</a:t>
             </a:fld>
             <a:endParaRPr lang="en-IN"/>
           </a:p>
@@ -3346,7 +3346,7 @@
           <a:p>
             <a:fld id="{4C2A475F-9CDA-4DF8-B226-71823ECF3947}" type="datetimeFigureOut">
               <a:rPr lang="en-IN" smtClean="0"/>
-              <a:t>21-10-2022</a:t>
+              <a:t>23-12-2022</a:t>
             </a:fld>
             <a:endParaRPr lang="en-IN"/>
           </a:p>
@@ -3556,7 +3556,7 @@
           <a:p>
             <a:fld id="{4C2A475F-9CDA-4DF8-B226-71823ECF3947}" type="datetimeFigureOut">
               <a:rPr lang="en-IN" smtClean="0"/>
-              <a:t>21-10-2022</a:t>
+              <a:t>23-12-2022</a:t>
             </a:fld>
             <a:endParaRPr lang="en-IN"/>
           </a:p>
@@ -3756,7 +3756,7 @@
           <a:p>
             <a:fld id="{4C2A475F-9CDA-4DF8-B226-71823ECF3947}" type="datetimeFigureOut">
               <a:rPr lang="en-IN" smtClean="0"/>
-              <a:t>21-10-2022</a:t>
+              <a:t>23-12-2022</a:t>
             </a:fld>
             <a:endParaRPr lang="en-IN"/>
           </a:p>
@@ -4032,7 +4032,7 @@
           <a:p>
             <a:fld id="{4C2A475F-9CDA-4DF8-B226-71823ECF3947}" type="datetimeFigureOut">
               <a:rPr lang="en-IN" smtClean="0"/>
-              <a:t>21-10-2022</a:t>
+              <a:t>23-12-2022</a:t>
             </a:fld>
             <a:endParaRPr lang="en-IN"/>
           </a:p>
@@ -4300,7 +4300,7 @@
           <a:p>
             <a:fld id="{4C2A475F-9CDA-4DF8-B226-71823ECF3947}" type="datetimeFigureOut">
               <a:rPr lang="en-IN" smtClean="0"/>
-              <a:t>21-10-2022</a:t>
+              <a:t>23-12-2022</a:t>
             </a:fld>
             <a:endParaRPr lang="en-IN"/>
           </a:p>
@@ -4715,7 +4715,7 @@
           <a:p>
             <a:fld id="{4C2A475F-9CDA-4DF8-B226-71823ECF3947}" type="datetimeFigureOut">
               <a:rPr lang="en-IN" smtClean="0"/>
-              <a:t>21-10-2022</a:t>
+              <a:t>23-12-2022</a:t>
             </a:fld>
             <a:endParaRPr lang="en-IN"/>
           </a:p>
@@ -4857,7 +4857,7 @@
           <a:p>
             <a:fld id="{4C2A475F-9CDA-4DF8-B226-71823ECF3947}" type="datetimeFigureOut">
               <a:rPr lang="en-IN" smtClean="0"/>
-              <a:t>21-10-2022</a:t>
+              <a:t>23-12-2022</a:t>
             </a:fld>
             <a:endParaRPr lang="en-IN"/>
           </a:p>
@@ -4970,7 +4970,7 @@
           <a:p>
             <a:fld id="{4C2A475F-9CDA-4DF8-B226-71823ECF3947}" type="datetimeFigureOut">
               <a:rPr lang="en-IN" smtClean="0"/>
-              <a:t>21-10-2022</a:t>
+              <a:t>23-12-2022</a:t>
             </a:fld>
             <a:endParaRPr lang="en-IN"/>
           </a:p>
@@ -5283,7 +5283,7 @@
           <a:p>
             <a:fld id="{4C2A475F-9CDA-4DF8-B226-71823ECF3947}" type="datetimeFigureOut">
               <a:rPr lang="en-IN" smtClean="0"/>
-              <a:t>21-10-2022</a:t>
+              <a:t>23-12-2022</a:t>
             </a:fld>
             <a:endParaRPr lang="en-IN"/>
           </a:p>
@@ -5572,7 +5572,7 @@
           <a:p>
             <a:fld id="{4C2A475F-9CDA-4DF8-B226-71823ECF3947}" type="datetimeFigureOut">
               <a:rPr lang="en-IN" smtClean="0"/>
-              <a:t>21-10-2022</a:t>
+              <a:t>23-12-2022</a:t>
             </a:fld>
             <a:endParaRPr lang="en-IN"/>
           </a:p>
@@ -5815,7 +5815,7 @@
           <a:p>
             <a:fld id="{4C2A475F-9CDA-4DF8-B226-71823ECF3947}" type="datetimeFigureOut">
               <a:rPr lang="en-IN" smtClean="0"/>
-              <a:t>21-10-2022</a:t>
+              <a:t>23-12-2022</a:t>
             </a:fld>
             <a:endParaRPr lang="en-IN"/>
           </a:p>

--- a/Slides/Big Data and Apache Hadoop/Big Data Overview.pptx
+++ b/Slides/Big Data and Apache Hadoop/Big Data Overview.pptx
@@ -3146,7 +3146,7 @@
           <a:p>
             <a:fld id="{4C2A475F-9CDA-4DF8-B226-71823ECF3947}" type="datetimeFigureOut">
               <a:rPr lang="en-IN" smtClean="0"/>
-              <a:t>23-12-2022</a:t>
+              <a:t>26-12-2022</a:t>
             </a:fld>
             <a:endParaRPr lang="en-IN"/>
           </a:p>
@@ -3346,7 +3346,7 @@
           <a:p>
             <a:fld id="{4C2A475F-9CDA-4DF8-B226-71823ECF3947}" type="datetimeFigureOut">
               <a:rPr lang="en-IN" smtClean="0"/>
-              <a:t>23-12-2022</a:t>
+              <a:t>26-12-2022</a:t>
             </a:fld>
             <a:endParaRPr lang="en-IN"/>
           </a:p>
@@ -3556,7 +3556,7 @@
           <a:p>
             <a:fld id="{4C2A475F-9CDA-4DF8-B226-71823ECF3947}" type="datetimeFigureOut">
               <a:rPr lang="en-IN" smtClean="0"/>
-              <a:t>23-12-2022</a:t>
+              <a:t>26-12-2022</a:t>
             </a:fld>
             <a:endParaRPr lang="en-IN"/>
           </a:p>
@@ -3756,7 +3756,7 @@
           <a:p>
             <a:fld id="{4C2A475F-9CDA-4DF8-B226-71823ECF3947}" type="datetimeFigureOut">
               <a:rPr lang="en-IN" smtClean="0"/>
-              <a:t>23-12-2022</a:t>
+              <a:t>26-12-2022</a:t>
             </a:fld>
             <a:endParaRPr lang="en-IN"/>
           </a:p>
@@ -4032,7 +4032,7 @@
           <a:p>
             <a:fld id="{4C2A475F-9CDA-4DF8-B226-71823ECF3947}" type="datetimeFigureOut">
               <a:rPr lang="en-IN" smtClean="0"/>
-              <a:t>23-12-2022</a:t>
+              <a:t>26-12-2022</a:t>
             </a:fld>
             <a:endParaRPr lang="en-IN"/>
           </a:p>
@@ -4300,7 +4300,7 @@
           <a:p>
             <a:fld id="{4C2A475F-9CDA-4DF8-B226-71823ECF3947}" type="datetimeFigureOut">
               <a:rPr lang="en-IN" smtClean="0"/>
-              <a:t>23-12-2022</a:t>
+              <a:t>26-12-2022</a:t>
             </a:fld>
             <a:endParaRPr lang="en-IN"/>
           </a:p>
@@ -4715,7 +4715,7 @@
           <a:p>
             <a:fld id="{4C2A475F-9CDA-4DF8-B226-71823ECF3947}" type="datetimeFigureOut">
               <a:rPr lang="en-IN" smtClean="0"/>
-              <a:t>23-12-2022</a:t>
+              <a:t>26-12-2022</a:t>
             </a:fld>
             <a:endParaRPr lang="en-IN"/>
           </a:p>
@@ -4857,7 +4857,7 @@
           <a:p>
             <a:fld id="{4C2A475F-9CDA-4DF8-B226-71823ECF3947}" type="datetimeFigureOut">
               <a:rPr lang="en-IN" smtClean="0"/>
-              <a:t>23-12-2022</a:t>
+              <a:t>26-12-2022</a:t>
             </a:fld>
             <a:endParaRPr lang="en-IN"/>
           </a:p>
@@ -4970,7 +4970,7 @@
           <a:p>
             <a:fld id="{4C2A475F-9CDA-4DF8-B226-71823ECF3947}" type="datetimeFigureOut">
               <a:rPr lang="en-IN" smtClean="0"/>
-              <a:t>23-12-2022</a:t>
+              <a:t>26-12-2022</a:t>
             </a:fld>
             <a:endParaRPr lang="en-IN"/>
           </a:p>
@@ -5283,7 +5283,7 @@
           <a:p>
             <a:fld id="{4C2A475F-9CDA-4DF8-B226-71823ECF3947}" type="datetimeFigureOut">
               <a:rPr lang="en-IN" smtClean="0"/>
-              <a:t>23-12-2022</a:t>
+              <a:t>26-12-2022</a:t>
             </a:fld>
             <a:endParaRPr lang="en-IN"/>
           </a:p>
@@ -5572,7 +5572,7 @@
           <a:p>
             <a:fld id="{4C2A475F-9CDA-4DF8-B226-71823ECF3947}" type="datetimeFigureOut">
               <a:rPr lang="en-IN" smtClean="0"/>
-              <a:t>23-12-2022</a:t>
+              <a:t>26-12-2022</a:t>
             </a:fld>
             <a:endParaRPr lang="en-IN"/>
           </a:p>
@@ -5815,7 +5815,7 @@
           <a:p>
             <a:fld id="{4C2A475F-9CDA-4DF8-B226-71823ECF3947}" type="datetimeFigureOut">
               <a:rPr lang="en-IN" smtClean="0"/>
-              <a:t>23-12-2022</a:t>
+              <a:t>26-12-2022</a:t>
             </a:fld>
             <a:endParaRPr lang="en-IN"/>
           </a:p>

--- a/Slides/Big Data and Apache Hadoop/Big Data Overview.pptx
+++ b/Slides/Big Data and Apache Hadoop/Big Data Overview.pptx
@@ -3146,7 +3146,7 @@
           <a:p>
             <a:fld id="{4C2A475F-9CDA-4DF8-B226-71823ECF3947}" type="datetimeFigureOut">
               <a:rPr lang="en-IN" smtClean="0"/>
-              <a:t>26-12-2022</a:t>
+              <a:t>27-12-2022</a:t>
             </a:fld>
             <a:endParaRPr lang="en-IN"/>
           </a:p>
@@ -3346,7 +3346,7 @@
           <a:p>
             <a:fld id="{4C2A475F-9CDA-4DF8-B226-71823ECF3947}" type="datetimeFigureOut">
               <a:rPr lang="en-IN" smtClean="0"/>
-              <a:t>26-12-2022</a:t>
+              <a:t>27-12-2022</a:t>
             </a:fld>
             <a:endParaRPr lang="en-IN"/>
           </a:p>
@@ -3556,7 +3556,7 @@
           <a:p>
             <a:fld id="{4C2A475F-9CDA-4DF8-B226-71823ECF3947}" type="datetimeFigureOut">
               <a:rPr lang="en-IN" smtClean="0"/>
-              <a:t>26-12-2022</a:t>
+              <a:t>27-12-2022</a:t>
             </a:fld>
             <a:endParaRPr lang="en-IN"/>
           </a:p>
@@ -3756,7 +3756,7 @@
           <a:p>
             <a:fld id="{4C2A475F-9CDA-4DF8-B226-71823ECF3947}" type="datetimeFigureOut">
               <a:rPr lang="en-IN" smtClean="0"/>
-              <a:t>26-12-2022</a:t>
+              <a:t>27-12-2022</a:t>
             </a:fld>
             <a:endParaRPr lang="en-IN"/>
           </a:p>
@@ -4032,7 +4032,7 @@
           <a:p>
             <a:fld id="{4C2A475F-9CDA-4DF8-B226-71823ECF3947}" type="datetimeFigureOut">
               <a:rPr lang="en-IN" smtClean="0"/>
-              <a:t>26-12-2022</a:t>
+              <a:t>27-12-2022</a:t>
             </a:fld>
             <a:endParaRPr lang="en-IN"/>
           </a:p>
@@ -4300,7 +4300,7 @@
           <a:p>
             <a:fld id="{4C2A475F-9CDA-4DF8-B226-71823ECF3947}" type="datetimeFigureOut">
               <a:rPr lang="en-IN" smtClean="0"/>
-              <a:t>26-12-2022</a:t>
+              <a:t>27-12-2022</a:t>
             </a:fld>
             <a:endParaRPr lang="en-IN"/>
           </a:p>
@@ -4715,7 +4715,7 @@
           <a:p>
             <a:fld id="{4C2A475F-9CDA-4DF8-B226-71823ECF3947}" type="datetimeFigureOut">
               <a:rPr lang="en-IN" smtClean="0"/>
-              <a:t>26-12-2022</a:t>
+              <a:t>27-12-2022</a:t>
             </a:fld>
             <a:endParaRPr lang="en-IN"/>
           </a:p>
@@ -4857,7 +4857,7 @@
           <a:p>
             <a:fld id="{4C2A475F-9CDA-4DF8-B226-71823ECF3947}" type="datetimeFigureOut">
               <a:rPr lang="en-IN" smtClean="0"/>
-              <a:t>26-12-2022</a:t>
+              <a:t>27-12-2022</a:t>
             </a:fld>
             <a:endParaRPr lang="en-IN"/>
           </a:p>
@@ -4970,7 +4970,7 @@
           <a:p>
             <a:fld id="{4C2A475F-9CDA-4DF8-B226-71823ECF3947}" type="datetimeFigureOut">
               <a:rPr lang="en-IN" smtClean="0"/>
-              <a:t>26-12-2022</a:t>
+              <a:t>27-12-2022</a:t>
             </a:fld>
             <a:endParaRPr lang="en-IN"/>
           </a:p>
@@ -5283,7 +5283,7 @@
           <a:p>
             <a:fld id="{4C2A475F-9CDA-4DF8-B226-71823ECF3947}" type="datetimeFigureOut">
               <a:rPr lang="en-IN" smtClean="0"/>
-              <a:t>26-12-2022</a:t>
+              <a:t>27-12-2022</a:t>
             </a:fld>
             <a:endParaRPr lang="en-IN"/>
           </a:p>
@@ -5572,7 +5572,7 @@
           <a:p>
             <a:fld id="{4C2A475F-9CDA-4DF8-B226-71823ECF3947}" type="datetimeFigureOut">
               <a:rPr lang="en-IN" smtClean="0"/>
-              <a:t>26-12-2022</a:t>
+              <a:t>27-12-2022</a:t>
             </a:fld>
             <a:endParaRPr lang="en-IN"/>
           </a:p>
@@ -5815,7 +5815,7 @@
           <a:p>
             <a:fld id="{4C2A475F-9CDA-4DF8-B226-71823ECF3947}" type="datetimeFigureOut">
               <a:rPr lang="en-IN" smtClean="0"/>
-              <a:t>26-12-2022</a:t>
+              <a:t>27-12-2022</a:t>
             </a:fld>
             <a:endParaRPr lang="en-IN"/>
           </a:p>

--- a/Slides/Big Data and Apache Hadoop/Big Data Overview.pptx
+++ b/Slides/Big Data and Apache Hadoop/Big Data Overview.pptx
@@ -3146,7 +3146,7 @@
           <a:p>
             <a:fld id="{4C2A475F-9CDA-4DF8-B226-71823ECF3947}" type="datetimeFigureOut">
               <a:rPr lang="en-IN" smtClean="0"/>
-              <a:t>27-12-2022</a:t>
+              <a:t>29-12-2022</a:t>
             </a:fld>
             <a:endParaRPr lang="en-IN"/>
           </a:p>
@@ -3346,7 +3346,7 @@
           <a:p>
             <a:fld id="{4C2A475F-9CDA-4DF8-B226-71823ECF3947}" type="datetimeFigureOut">
               <a:rPr lang="en-IN" smtClean="0"/>
-              <a:t>27-12-2022</a:t>
+              <a:t>29-12-2022</a:t>
             </a:fld>
             <a:endParaRPr lang="en-IN"/>
           </a:p>
@@ -3556,7 +3556,7 @@
           <a:p>
             <a:fld id="{4C2A475F-9CDA-4DF8-B226-71823ECF3947}" type="datetimeFigureOut">
               <a:rPr lang="en-IN" smtClean="0"/>
-              <a:t>27-12-2022</a:t>
+              <a:t>29-12-2022</a:t>
             </a:fld>
             <a:endParaRPr lang="en-IN"/>
           </a:p>
@@ -3756,7 +3756,7 @@
           <a:p>
             <a:fld id="{4C2A475F-9CDA-4DF8-B226-71823ECF3947}" type="datetimeFigureOut">
               <a:rPr lang="en-IN" smtClean="0"/>
-              <a:t>27-12-2022</a:t>
+              <a:t>29-12-2022</a:t>
             </a:fld>
             <a:endParaRPr lang="en-IN"/>
           </a:p>
@@ -4032,7 +4032,7 @@
           <a:p>
             <a:fld id="{4C2A475F-9CDA-4DF8-B226-71823ECF3947}" type="datetimeFigureOut">
               <a:rPr lang="en-IN" smtClean="0"/>
-              <a:t>27-12-2022</a:t>
+              <a:t>29-12-2022</a:t>
             </a:fld>
             <a:endParaRPr lang="en-IN"/>
           </a:p>
@@ -4300,7 +4300,7 @@
           <a:p>
             <a:fld id="{4C2A475F-9CDA-4DF8-B226-71823ECF3947}" type="datetimeFigureOut">
               <a:rPr lang="en-IN" smtClean="0"/>
-              <a:t>27-12-2022</a:t>
+              <a:t>29-12-2022</a:t>
             </a:fld>
             <a:endParaRPr lang="en-IN"/>
           </a:p>
@@ -4715,7 +4715,7 @@
           <a:p>
             <a:fld id="{4C2A475F-9CDA-4DF8-B226-71823ECF3947}" type="datetimeFigureOut">
               <a:rPr lang="en-IN" smtClean="0"/>
-              <a:t>27-12-2022</a:t>
+              <a:t>29-12-2022</a:t>
             </a:fld>
             <a:endParaRPr lang="en-IN"/>
           </a:p>
@@ -4857,7 +4857,7 @@
           <a:p>
             <a:fld id="{4C2A475F-9CDA-4DF8-B226-71823ECF3947}" type="datetimeFigureOut">
               <a:rPr lang="en-IN" smtClean="0"/>
-              <a:t>27-12-2022</a:t>
+              <a:t>29-12-2022</a:t>
             </a:fld>
             <a:endParaRPr lang="en-IN"/>
           </a:p>
@@ -4970,7 +4970,7 @@
           <a:p>
             <a:fld id="{4C2A475F-9CDA-4DF8-B226-71823ECF3947}" type="datetimeFigureOut">
               <a:rPr lang="en-IN" smtClean="0"/>
-              <a:t>27-12-2022</a:t>
+              <a:t>29-12-2022</a:t>
             </a:fld>
             <a:endParaRPr lang="en-IN"/>
           </a:p>
@@ -5283,7 +5283,7 @@
           <a:p>
             <a:fld id="{4C2A475F-9CDA-4DF8-B226-71823ECF3947}" type="datetimeFigureOut">
               <a:rPr lang="en-IN" smtClean="0"/>
-              <a:t>27-12-2022</a:t>
+              <a:t>29-12-2022</a:t>
             </a:fld>
             <a:endParaRPr lang="en-IN"/>
           </a:p>
@@ -5572,7 +5572,7 @@
           <a:p>
             <a:fld id="{4C2A475F-9CDA-4DF8-B226-71823ECF3947}" type="datetimeFigureOut">
               <a:rPr lang="en-IN" smtClean="0"/>
-              <a:t>27-12-2022</a:t>
+              <a:t>29-12-2022</a:t>
             </a:fld>
             <a:endParaRPr lang="en-IN"/>
           </a:p>
@@ -5815,7 +5815,7 @@
           <a:p>
             <a:fld id="{4C2A475F-9CDA-4DF8-B226-71823ECF3947}" type="datetimeFigureOut">
               <a:rPr lang="en-IN" smtClean="0"/>
-              <a:t>27-12-2022</a:t>
+              <a:t>29-12-2022</a:t>
             </a:fld>
             <a:endParaRPr lang="en-IN"/>
           </a:p>

--- a/Slides/Big Data and Apache Hadoop/Big Data Overview.pptx
+++ b/Slides/Big Data and Apache Hadoop/Big Data Overview.pptx
@@ -3146,7 +3146,7 @@
           <a:p>
             <a:fld id="{4C2A475F-9CDA-4DF8-B226-71823ECF3947}" type="datetimeFigureOut">
               <a:rPr lang="en-IN" smtClean="0"/>
-              <a:t>29-12-2022</a:t>
+              <a:t>26-01-2023</a:t>
             </a:fld>
             <a:endParaRPr lang="en-IN"/>
           </a:p>
@@ -3346,7 +3346,7 @@
           <a:p>
             <a:fld id="{4C2A475F-9CDA-4DF8-B226-71823ECF3947}" type="datetimeFigureOut">
               <a:rPr lang="en-IN" smtClean="0"/>
-              <a:t>29-12-2022</a:t>
+              <a:t>26-01-2023</a:t>
             </a:fld>
             <a:endParaRPr lang="en-IN"/>
           </a:p>
@@ -3556,7 +3556,7 @@
           <a:p>
             <a:fld id="{4C2A475F-9CDA-4DF8-B226-71823ECF3947}" type="datetimeFigureOut">
               <a:rPr lang="en-IN" smtClean="0"/>
-              <a:t>29-12-2022</a:t>
+              <a:t>26-01-2023</a:t>
             </a:fld>
             <a:endParaRPr lang="en-IN"/>
           </a:p>
@@ -3756,7 +3756,7 @@
           <a:p>
             <a:fld id="{4C2A475F-9CDA-4DF8-B226-71823ECF3947}" type="datetimeFigureOut">
               <a:rPr lang="en-IN" smtClean="0"/>
-              <a:t>29-12-2022</a:t>
+              <a:t>26-01-2023</a:t>
             </a:fld>
             <a:endParaRPr lang="en-IN"/>
           </a:p>
@@ -4032,7 +4032,7 @@
           <a:p>
             <a:fld id="{4C2A475F-9CDA-4DF8-B226-71823ECF3947}" type="datetimeFigureOut">
               <a:rPr lang="en-IN" smtClean="0"/>
-              <a:t>29-12-2022</a:t>
+              <a:t>26-01-2023</a:t>
             </a:fld>
             <a:endParaRPr lang="en-IN"/>
           </a:p>
@@ -4300,7 +4300,7 @@
           <a:p>
             <a:fld id="{4C2A475F-9CDA-4DF8-B226-71823ECF3947}" type="datetimeFigureOut">
               <a:rPr lang="en-IN" smtClean="0"/>
-              <a:t>29-12-2022</a:t>
+              <a:t>26-01-2023</a:t>
             </a:fld>
             <a:endParaRPr lang="en-IN"/>
           </a:p>
@@ -4715,7 +4715,7 @@
           <a:p>
             <a:fld id="{4C2A475F-9CDA-4DF8-B226-71823ECF3947}" type="datetimeFigureOut">
               <a:rPr lang="en-IN" smtClean="0"/>
-              <a:t>29-12-2022</a:t>
+              <a:t>26-01-2023</a:t>
             </a:fld>
             <a:endParaRPr lang="en-IN"/>
           </a:p>
@@ -4857,7 +4857,7 @@
           <a:p>
             <a:fld id="{4C2A475F-9CDA-4DF8-B226-71823ECF3947}" type="datetimeFigureOut">
               <a:rPr lang="en-IN" smtClean="0"/>
-              <a:t>29-12-2022</a:t>
+              <a:t>26-01-2023</a:t>
             </a:fld>
             <a:endParaRPr lang="en-IN"/>
           </a:p>
@@ -4970,7 +4970,7 @@
           <a:p>
             <a:fld id="{4C2A475F-9CDA-4DF8-B226-71823ECF3947}" type="datetimeFigureOut">
               <a:rPr lang="en-IN" smtClean="0"/>
-              <a:t>29-12-2022</a:t>
+              <a:t>26-01-2023</a:t>
             </a:fld>
             <a:endParaRPr lang="en-IN"/>
           </a:p>
@@ -5283,7 +5283,7 @@
           <a:p>
             <a:fld id="{4C2A475F-9CDA-4DF8-B226-71823ECF3947}" type="datetimeFigureOut">
               <a:rPr lang="en-IN" smtClean="0"/>
-              <a:t>29-12-2022</a:t>
+              <a:t>26-01-2023</a:t>
             </a:fld>
             <a:endParaRPr lang="en-IN"/>
           </a:p>
@@ -5572,7 +5572,7 @@
           <a:p>
             <a:fld id="{4C2A475F-9CDA-4DF8-B226-71823ECF3947}" type="datetimeFigureOut">
               <a:rPr lang="en-IN" smtClean="0"/>
-              <a:t>29-12-2022</a:t>
+              <a:t>26-01-2023</a:t>
             </a:fld>
             <a:endParaRPr lang="en-IN"/>
           </a:p>
@@ -5815,7 +5815,7 @@
           <a:p>
             <a:fld id="{4C2A475F-9CDA-4DF8-B226-71823ECF3947}" type="datetimeFigureOut">
               <a:rPr lang="en-IN" smtClean="0"/>
-              <a:t>29-12-2022</a:t>
+              <a:t>26-01-2023</a:t>
             </a:fld>
             <a:endParaRPr lang="en-IN"/>
           </a:p>
